--- a/추천시스템후보(영화,음악 등).pptx
+++ b/추천시스템후보(영화,음악 등).pptx
@@ -9,8 +9,8 @@
     <p:sldId id="272" r:id="rId3"/>
     <p:sldId id="256" r:id="rId4"/>
     <p:sldId id="282" r:id="rId5"/>
-    <p:sldId id="257" r:id="rId6"/>
-    <p:sldId id="270" r:id="rId7"/>
+    <p:sldId id="270" r:id="rId6"/>
+    <p:sldId id="257" r:id="rId7"/>
     <p:sldId id="271" r:id="rId8"/>
     <p:sldId id="279" r:id="rId9"/>
     <p:sldId id="280" r:id="rId10"/>
@@ -6461,6 +6461,338 @@
           <a:chExt cx="0" cy="0"/>
         </a:xfrm>
       </p:grpSpPr>
+      <p:sp>
+        <p:nvSpPr>
+          <p:cNvPr id="2" name="직사각형 1"/>
+          <p:cNvSpPr/>
+          <p:nvPr/>
+        </p:nvSpPr>
+        <p:spPr>
+          <a:xfrm>
+            <a:off x="107504" y="188640"/>
+            <a:ext cx="8712968" cy="3323987"/>
+          </a:xfrm>
+          <a:prstGeom prst="rect">
+            <a:avLst/>
+          </a:prstGeom>
+        </p:spPr>
+        <p:txBody>
+          <a:bodyPr wrap="square">
+            <a:spAutoFit/>
+          </a:bodyPr>
+          <a:lstStyle/>
+          <a:p>
+            <a:r>
+              <a:rPr lang="en-US" altLang="ko-KR" sz="1400" b="1" dirty="0"/>
+              <a:t>TF-IDF</a:t>
+            </a:r>
+            <a:r>
+              <a:rPr lang="en-US" altLang="ko-KR" sz="1400" dirty="0"/>
+              <a:t>(Term Frequency - Inverse Document Frequency)</a:t>
+            </a:r>
+            <a:r>
+              <a:rPr lang="ko-KR" altLang="en-US" sz="1400" dirty="0"/>
+              <a:t>는 </a:t>
+            </a:r>
+            <a:r>
+              <a:rPr lang="ko-KR" altLang="en-US" sz="1400" dirty="0">
+                <a:hlinkClick r:id="rId2" tooltip="정보 검색"/>
+              </a:rPr>
+              <a:t>정보 검색</a:t>
+            </a:r>
+            <a:r>
+              <a:rPr lang="ko-KR" altLang="en-US" sz="1400" dirty="0"/>
+              <a:t>과 </a:t>
+            </a:r>
+            <a:r>
+              <a:rPr lang="ko-KR" altLang="en-US" sz="1400" dirty="0">
+                <a:hlinkClick r:id="rId3" tooltip="텍스트 마이닝 (없는 문서)"/>
+              </a:rPr>
+              <a:t>텍스트 </a:t>
+            </a:r>
+            <a:r>
+              <a:rPr lang="ko-KR" altLang="en-US" sz="1400" dirty="0" err="1">
+                <a:hlinkClick r:id="rId3" tooltip="텍스트 마이닝 (없는 문서)"/>
+              </a:rPr>
+              <a:t>마이닝</a:t>
+            </a:r>
+            <a:r>
+              <a:rPr lang="ko-KR" altLang="en-US" sz="1400" dirty="0" err="1"/>
+              <a:t>에서</a:t>
+            </a:r>
+            <a:r>
+              <a:rPr lang="ko-KR" altLang="en-US" sz="1400" dirty="0"/>
+              <a:t> 이용하는 가중치로</a:t>
+            </a:r>
+            <a:r>
+              <a:rPr lang="en-US" altLang="ko-KR" sz="1400" dirty="0"/>
+              <a:t>, </a:t>
+            </a:r>
+            <a:r>
+              <a:rPr lang="ko-KR" altLang="en-US" sz="1400" dirty="0"/>
+              <a:t>여러 문서로 이루어진 </a:t>
+            </a:r>
+            <a:r>
+              <a:rPr lang="ko-KR" altLang="en-US" sz="1400" dirty="0" err="1"/>
+              <a:t>문서군이</a:t>
+            </a:r>
+            <a:r>
+              <a:rPr lang="ko-KR" altLang="en-US" sz="1400" dirty="0"/>
+              <a:t> 있을 때 어떤 단어가 특정 문서 내에서 얼마나 중요한 것인지를 나타내는 </a:t>
+            </a:r>
+            <a:r>
+              <a:rPr lang="ko-KR" altLang="en-US" sz="1400" dirty="0">
+                <a:hlinkClick r:id="rId4" tooltip="통계"/>
+              </a:rPr>
+              <a:t>통계</a:t>
+            </a:r>
+            <a:r>
+              <a:rPr lang="ko-KR" altLang="en-US" sz="1400" dirty="0"/>
+              <a:t>적 수치이다</a:t>
+            </a:r>
+            <a:r>
+              <a:rPr lang="en-US" altLang="ko-KR" sz="1400" dirty="0"/>
+              <a:t>. </a:t>
+            </a:r>
+            <a:r>
+              <a:rPr lang="ko-KR" altLang="en-US" sz="1400" dirty="0"/>
+              <a:t>문서의 </a:t>
+            </a:r>
+            <a:r>
+              <a:rPr lang="ko-KR" altLang="en-US" sz="1400" dirty="0">
+                <a:hlinkClick r:id="rId5" tooltip="핵심어 (없는 문서)"/>
+              </a:rPr>
+              <a:t>핵심어</a:t>
+            </a:r>
+            <a:r>
+              <a:rPr lang="ko-KR" altLang="en-US" sz="1400" dirty="0"/>
+              <a:t>를 추출하거나</a:t>
+            </a:r>
+            <a:r>
+              <a:rPr lang="en-US" altLang="ko-KR" sz="1400" dirty="0"/>
+              <a:t>, </a:t>
+            </a:r>
+            <a:r>
+              <a:rPr lang="ko-KR" altLang="en-US" sz="1400" dirty="0">
+                <a:hlinkClick r:id="rId6" tooltip="검색 엔진"/>
+              </a:rPr>
+              <a:t>검색 엔진</a:t>
+            </a:r>
+            <a:r>
+              <a:rPr lang="ko-KR" altLang="en-US" sz="1400" dirty="0"/>
+              <a:t>에서 검색 결과의 순위를 결정하거나</a:t>
+            </a:r>
+            <a:r>
+              <a:rPr lang="en-US" altLang="ko-KR" sz="1400" dirty="0"/>
+              <a:t>, </a:t>
+            </a:r>
+            <a:r>
+              <a:rPr lang="ko-KR" altLang="en-US" sz="1400" dirty="0"/>
+              <a:t>문서들 사이의 비슷한 정도를 구하는 등의 용도로 사용할 수 있다</a:t>
+            </a:r>
+            <a:r>
+              <a:rPr lang="en-US" altLang="ko-KR" sz="1400" dirty="0" smtClean="0"/>
+              <a:t>.</a:t>
+            </a:r>
+          </a:p>
+          <a:p>
+            <a:endParaRPr lang="en-US" altLang="ko-KR" sz="1400" dirty="0"/>
+          </a:p>
+          <a:p>
+            <a:r>
+              <a:rPr lang="en-US" altLang="ko-KR" sz="1400" dirty="0"/>
+              <a:t>TF(</a:t>
+            </a:r>
+            <a:r>
+              <a:rPr lang="ko-KR" altLang="en-US" sz="1400" dirty="0"/>
+              <a:t>단어 빈도</a:t>
+            </a:r>
+            <a:r>
+              <a:rPr lang="en-US" altLang="ko-KR" sz="1400" dirty="0"/>
+              <a:t>, term frequency)</a:t>
+            </a:r>
+            <a:r>
+              <a:rPr lang="ko-KR" altLang="en-US" sz="1400" dirty="0"/>
+              <a:t>는 특정한 단어가 문서 내에 얼마나 자주 등장하는지를 나타내는 값으로</a:t>
+            </a:r>
+            <a:r>
+              <a:rPr lang="en-US" altLang="ko-KR" sz="1400" dirty="0"/>
+              <a:t>, </a:t>
+            </a:r>
+            <a:r>
+              <a:rPr lang="ko-KR" altLang="en-US" sz="1400" dirty="0"/>
+              <a:t>이 값이 높을수록 문서에서 중요하다고 생각할 수 있다</a:t>
+            </a:r>
+            <a:r>
+              <a:rPr lang="en-US" altLang="ko-KR" sz="1400" dirty="0"/>
+              <a:t>. </a:t>
+            </a:r>
+            <a:r>
+              <a:rPr lang="ko-KR" altLang="en-US" sz="1400" dirty="0"/>
+              <a:t>하지만 단어 자체가 문서군 내에서 자주 사용되는 경우</a:t>
+            </a:r>
+            <a:r>
+              <a:rPr lang="en-US" altLang="ko-KR" sz="1400" dirty="0"/>
+              <a:t>, </a:t>
+            </a:r>
+            <a:r>
+              <a:rPr lang="ko-KR" altLang="en-US" sz="1400" dirty="0"/>
+              <a:t>이것은 그 단어가 흔하게 등장한다는 것을 의미한다</a:t>
+            </a:r>
+            <a:r>
+              <a:rPr lang="en-US" altLang="ko-KR" sz="1400" dirty="0"/>
+              <a:t>. </a:t>
+            </a:r>
+            <a:r>
+              <a:rPr lang="ko-KR" altLang="en-US" sz="1400" dirty="0"/>
+              <a:t>이것을 </a:t>
+            </a:r>
+            <a:r>
+              <a:rPr lang="en-US" altLang="ko-KR" sz="1400" dirty="0"/>
+              <a:t>DF(</a:t>
+            </a:r>
+            <a:r>
+              <a:rPr lang="ko-KR" altLang="en-US" sz="1400" dirty="0"/>
+              <a:t>문서 빈도</a:t>
+            </a:r>
+            <a:r>
+              <a:rPr lang="en-US" altLang="ko-KR" sz="1400" dirty="0"/>
+              <a:t>, document frequency)</a:t>
+            </a:r>
+            <a:r>
+              <a:rPr lang="ko-KR" altLang="en-US" sz="1400" dirty="0"/>
+              <a:t>라고 하며</a:t>
+            </a:r>
+            <a:r>
+              <a:rPr lang="en-US" altLang="ko-KR" sz="1400" dirty="0"/>
+              <a:t>, </a:t>
+            </a:r>
+            <a:r>
+              <a:rPr lang="ko-KR" altLang="en-US" sz="1400" dirty="0"/>
+              <a:t>이 값의 역수를 </a:t>
+            </a:r>
+            <a:r>
+              <a:rPr lang="en-US" altLang="ko-KR" sz="1400" dirty="0"/>
+              <a:t>IDF(</a:t>
+            </a:r>
+            <a:r>
+              <a:rPr lang="ko-KR" altLang="en-US" sz="1400" dirty="0"/>
+              <a:t>역문서 빈도</a:t>
+            </a:r>
+            <a:r>
+              <a:rPr lang="en-US" altLang="ko-KR" sz="1400" dirty="0"/>
+              <a:t>, inverse document frequency)</a:t>
+            </a:r>
+            <a:r>
+              <a:rPr lang="ko-KR" altLang="en-US" sz="1400" dirty="0"/>
+              <a:t>라고 한다</a:t>
+            </a:r>
+            <a:r>
+              <a:rPr lang="en-US" altLang="ko-KR" sz="1400" dirty="0"/>
+              <a:t>. TF-IDF</a:t>
+            </a:r>
+            <a:r>
+              <a:rPr lang="ko-KR" altLang="en-US" sz="1400" dirty="0"/>
+              <a:t>는 </a:t>
+            </a:r>
+            <a:r>
+              <a:rPr lang="en-US" altLang="ko-KR" sz="1400" dirty="0"/>
+              <a:t>TF</a:t>
+            </a:r>
+            <a:r>
+              <a:rPr lang="ko-KR" altLang="en-US" sz="1400" dirty="0"/>
+              <a:t>와 </a:t>
+            </a:r>
+            <a:r>
+              <a:rPr lang="en-US" altLang="ko-KR" sz="1400" dirty="0"/>
+              <a:t>IDF</a:t>
+            </a:r>
+            <a:r>
+              <a:rPr lang="ko-KR" altLang="en-US" sz="1400" dirty="0"/>
+              <a:t>를 곱한 값이다</a:t>
+            </a:r>
+            <a:r>
+              <a:rPr lang="en-US" altLang="ko-KR" sz="1400" dirty="0" smtClean="0"/>
+              <a:t>.</a:t>
+            </a:r>
+          </a:p>
+          <a:p>
+            <a:endParaRPr lang="en-US" altLang="ko-KR" sz="1400" dirty="0"/>
+          </a:p>
+          <a:p>
+            <a:r>
+              <a:rPr lang="en-US" altLang="ko-KR" sz="1400" dirty="0"/>
+              <a:t>IDF </a:t>
+            </a:r>
+            <a:r>
+              <a:rPr lang="ko-KR" altLang="en-US" sz="1400" dirty="0"/>
+              <a:t>값은 </a:t>
+            </a:r>
+            <a:r>
+              <a:rPr lang="ko-KR" altLang="en-US" sz="1400" dirty="0" err="1"/>
+              <a:t>문서군의</a:t>
+            </a:r>
+            <a:r>
+              <a:rPr lang="ko-KR" altLang="en-US" sz="1400" dirty="0"/>
+              <a:t> 성격에 따라 결정된다</a:t>
+            </a:r>
+            <a:r>
+              <a:rPr lang="en-US" altLang="ko-KR" sz="1400" dirty="0"/>
+              <a:t>. </a:t>
+            </a:r>
+            <a:r>
+              <a:rPr lang="ko-KR" altLang="en-US" sz="1400" dirty="0"/>
+              <a:t>예를 들어 </a:t>
+            </a:r>
+            <a:r>
+              <a:rPr lang="en-US" altLang="ko-KR" sz="1400" dirty="0"/>
+              <a:t>'</a:t>
+            </a:r>
+            <a:r>
+              <a:rPr lang="ko-KR" altLang="en-US" sz="1400" dirty="0">
+                <a:hlinkClick r:id="rId7" tooltip="원자"/>
+              </a:rPr>
+              <a:t>원자</a:t>
+            </a:r>
+            <a:r>
+              <a:rPr lang="en-US" altLang="ko-KR" sz="1400" dirty="0"/>
+              <a:t>'</a:t>
+            </a:r>
+            <a:r>
+              <a:rPr lang="ko-KR" altLang="en-US" sz="1400" dirty="0"/>
+              <a:t>라는 낱말은 일반적인 문서들 사이에서는 잘 나오지 않기 때문에 </a:t>
+            </a:r>
+            <a:r>
+              <a:rPr lang="en-US" altLang="ko-KR" sz="1400" dirty="0"/>
+              <a:t>IDF </a:t>
+            </a:r>
+            <a:r>
+              <a:rPr lang="ko-KR" altLang="en-US" sz="1400" dirty="0"/>
+              <a:t>값이 높아지고 문서의 핵심어가 될 수 있지만</a:t>
+            </a:r>
+            <a:r>
+              <a:rPr lang="en-US" altLang="ko-KR" sz="1400" dirty="0"/>
+              <a:t>, </a:t>
+            </a:r>
+            <a:r>
+              <a:rPr lang="ko-KR" altLang="en-US" sz="1400" dirty="0"/>
+              <a:t>원자에 대한 문서를 모아놓은 </a:t>
+            </a:r>
+            <a:r>
+              <a:rPr lang="ko-KR" altLang="en-US" sz="1400" dirty="0" err="1"/>
+              <a:t>문서군의</a:t>
+            </a:r>
+            <a:r>
+              <a:rPr lang="ko-KR" altLang="en-US" sz="1400" dirty="0"/>
+              <a:t> 경우 이 낱말은 상투어가 되어 각 문서들을 세분화하여 구분할 수 있는 다른 낱말들이 높은 가중치를 얻게 된다</a:t>
+            </a:r>
+            <a:r>
+              <a:rPr lang="en-US" altLang="ko-KR" sz="1400" dirty="0"/>
+              <a:t>.</a:t>
+            </a:r>
+          </a:p>
+        </p:txBody>
+      </p:sp>
     </p:spTree>
     <p:extLst>
       <p:ext uri="{BB962C8B-B14F-4D97-AF65-F5344CB8AC3E}">
@@ -6598,8 +6930,8 @@
               <a:t>추천 </a:t>
             </a:r>
             <a:r>
-              <a:rPr lang="ko-KR" altLang="en-US" sz="1600" dirty="0" err="1" smtClean="0"/>
-              <a:t>알고리즘으</a:t>
+              <a:rPr lang="ko-KR" altLang="en-US" sz="1600" dirty="0" smtClean="0"/>
+              <a:t>알고리즘</a:t>
             </a:r>
             <a:endParaRPr lang="en-US" altLang="ko-KR" sz="1600" dirty="0" smtClean="0"/>
           </a:p>
@@ -6617,7 +6949,11 @@
             </a:r>
             <a:r>
               <a:rPr lang="ko-KR" altLang="en-US" sz="1600" dirty="0" smtClean="0"/>
-              <a:t>하여 추천 데모</a:t>
+              <a:t>하여 </a:t>
+            </a:r>
+            <a:r>
+              <a:rPr lang="ko-KR" altLang="en-US" sz="1600" dirty="0" smtClean="0"/>
+              <a:t>데모</a:t>
             </a:r>
             <a:endParaRPr lang="en-US" altLang="ko-KR" sz="1600" dirty="0" smtClean="0"/>
           </a:p>
@@ -7344,678 +7680,6 @@
           <a:chExt cx="0" cy="0"/>
         </a:xfrm>
       </p:grpSpPr>
-      <p:sp>
-        <p:nvSpPr>
-          <p:cNvPr id="2" name="직사각형 1"/>
-          <p:cNvSpPr/>
-          <p:nvPr/>
-        </p:nvSpPr>
-        <p:spPr>
-          <a:xfrm>
-            <a:off x="489316" y="2964386"/>
-            <a:ext cx="6606480" cy="2893100"/>
-          </a:xfrm>
-          <a:prstGeom prst="rect">
-            <a:avLst/>
-          </a:prstGeom>
-        </p:spPr>
-        <p:txBody>
-          <a:bodyPr wrap="square">
-            <a:spAutoFit/>
-          </a:bodyPr>
-          <a:lstStyle/>
-          <a:p>
-            <a:r>
-              <a:rPr lang="en-US" altLang="ko-KR" sz="1400" dirty="0">
-                <a:latin typeface="굴림" panose="020B0600000101010101" pitchFamily="50" charset="-127"/>
-                <a:ea typeface="굴림" panose="020B0600000101010101" pitchFamily="50" charset="-127"/>
-              </a:rPr>
-              <a:t>5. </a:t>
-            </a:r>
-            <a:r>
-              <a:rPr lang="ko-KR" altLang="en-US" sz="1400" dirty="0">
-                <a:latin typeface="굴림" panose="020B0600000101010101" pitchFamily="50" charset="-127"/>
-                <a:ea typeface="굴림" panose="020B0600000101010101" pitchFamily="50" charset="-127"/>
-              </a:rPr>
-              <a:t>협업 </a:t>
-            </a:r>
-            <a:r>
-              <a:rPr lang="ko-KR" altLang="en-US" sz="1400" dirty="0" err="1">
-                <a:latin typeface="굴림" panose="020B0600000101010101" pitchFamily="50" charset="-127"/>
-                <a:ea typeface="굴림" panose="020B0600000101010101" pitchFamily="50" charset="-127"/>
-              </a:rPr>
-              <a:t>필터링</a:t>
-            </a:r>
-            <a:r>
-              <a:rPr lang="ko-KR" altLang="en-US" sz="1400" dirty="0">
-                <a:latin typeface="굴림" panose="020B0600000101010101" pitchFamily="50" charset="-127"/>
-                <a:ea typeface="굴림" panose="020B0600000101010101" pitchFamily="50" charset="-127"/>
-              </a:rPr>
-              <a:t> 시스템의 우수성</a:t>
-            </a:r>
-          </a:p>
-          <a:p>
-            <a:r>
-              <a:rPr lang="ko-KR" altLang="en-US" sz="1400" dirty="0">
-                <a:latin typeface="굴림" panose="020B0600000101010101" pitchFamily="50" charset="-127"/>
-                <a:ea typeface="굴림" panose="020B0600000101010101" pitchFamily="50" charset="-127"/>
-              </a:rPr>
-              <a:t>이처럼 추천시스템에서 추천이 이루어지는 방법은 크게 네 가지가</a:t>
-            </a:r>
-          </a:p>
-          <a:p>
-            <a:r>
-              <a:rPr lang="ko-KR" altLang="en-US" sz="1400" dirty="0">
-                <a:latin typeface="굴림" panose="020B0600000101010101" pitchFamily="50" charset="-127"/>
-                <a:ea typeface="굴림" panose="020B0600000101010101" pitchFamily="50" charset="-127"/>
-              </a:rPr>
-              <a:t>존재한다</a:t>
-            </a:r>
-            <a:r>
-              <a:rPr lang="en-US" altLang="ko-KR" sz="1400" dirty="0">
-                <a:latin typeface="굴림" panose="020B0600000101010101" pitchFamily="50" charset="-127"/>
-                <a:ea typeface="굴림" panose="020B0600000101010101" pitchFamily="50" charset="-127"/>
-              </a:rPr>
-              <a:t>. </a:t>
-            </a:r>
-            <a:r>
-              <a:rPr lang="ko-KR" altLang="en-US" sz="1400" dirty="0">
-                <a:latin typeface="굴림" panose="020B0600000101010101" pitchFamily="50" charset="-127"/>
-                <a:ea typeface="굴림" panose="020B0600000101010101" pitchFamily="50" charset="-127"/>
-              </a:rPr>
-              <a:t>하지만 내용기반 분석의 경우 </a:t>
-            </a:r>
-            <a:r>
-              <a:rPr lang="ko-KR" altLang="en-US" sz="1400" dirty="0" err="1">
-                <a:latin typeface="굴림" panose="020B0600000101010101" pitchFamily="50" charset="-127"/>
-                <a:ea typeface="굴림" panose="020B0600000101010101" pitchFamily="50" charset="-127"/>
-              </a:rPr>
-              <a:t>콘텐츠를</a:t>
-            </a:r>
-            <a:r>
-              <a:rPr lang="ko-KR" altLang="en-US" sz="1400" dirty="0">
-                <a:latin typeface="굴림" panose="020B0600000101010101" pitchFamily="50" charset="-127"/>
-                <a:ea typeface="굴림" panose="020B0600000101010101" pitchFamily="50" charset="-127"/>
-              </a:rPr>
-              <a:t> 분석하고 비교하는</a:t>
-            </a:r>
-          </a:p>
-          <a:p>
-            <a:r>
-              <a:rPr lang="ko-KR" altLang="en-US" sz="1400" dirty="0">
-                <a:latin typeface="굴림" panose="020B0600000101010101" pitchFamily="50" charset="-127"/>
-                <a:ea typeface="굴림" panose="020B0600000101010101" pitchFamily="50" charset="-127"/>
-              </a:rPr>
-              <a:t>것이 까다롭고</a:t>
-            </a:r>
-            <a:r>
-              <a:rPr lang="en-US" altLang="ko-KR" sz="1400" dirty="0">
-                <a:latin typeface="굴림" panose="020B0600000101010101" pitchFamily="50" charset="-127"/>
-                <a:ea typeface="굴림" panose="020B0600000101010101" pitchFamily="50" charset="-127"/>
-              </a:rPr>
-              <a:t>, </a:t>
-            </a:r>
-            <a:r>
-              <a:rPr lang="ko-KR" altLang="en-US" sz="1400" dirty="0">
-                <a:latin typeface="굴림" panose="020B0600000101010101" pitchFamily="50" charset="-127"/>
-                <a:ea typeface="굴림" panose="020B0600000101010101" pitchFamily="50" charset="-127"/>
-              </a:rPr>
-              <a:t>상황 기반 추천의 경우 사용자의 복합적인 상황 정보를</a:t>
-            </a:r>
-          </a:p>
-          <a:p>
-            <a:r>
-              <a:rPr lang="ko-KR" altLang="en-US" sz="1400" dirty="0">
-                <a:latin typeface="굴림" panose="020B0600000101010101" pitchFamily="50" charset="-127"/>
-                <a:ea typeface="굴림" panose="020B0600000101010101" pitchFamily="50" charset="-127"/>
-              </a:rPr>
-              <a:t>추출하고 각 상황마다 적절한 추천을 하는 것이 어렵다</a:t>
-            </a:r>
-            <a:r>
-              <a:rPr lang="en-US" altLang="ko-KR" sz="1400" dirty="0">
-                <a:latin typeface="굴림" panose="020B0600000101010101" pitchFamily="50" charset="-127"/>
-                <a:ea typeface="굴림" panose="020B0600000101010101" pitchFamily="50" charset="-127"/>
-              </a:rPr>
-              <a:t>. </a:t>
-            </a:r>
-            <a:r>
-              <a:rPr lang="ko-KR" altLang="en-US" sz="1400" dirty="0">
-                <a:latin typeface="굴림" panose="020B0600000101010101" pitchFamily="50" charset="-127"/>
-                <a:ea typeface="굴림" panose="020B0600000101010101" pitchFamily="50" charset="-127"/>
-              </a:rPr>
-              <a:t>따라서 이</a:t>
-            </a:r>
-          </a:p>
-          <a:p>
-            <a:r>
-              <a:rPr lang="ko-KR" altLang="en-US" sz="1400" dirty="0">
-                <a:latin typeface="굴림" panose="020B0600000101010101" pitchFamily="50" charset="-127"/>
-                <a:ea typeface="굴림" panose="020B0600000101010101" pitchFamily="50" charset="-127"/>
-              </a:rPr>
-              <a:t>연구에서는 추천시스템에서 가장 많이 연구되고 있는 협업 </a:t>
-            </a:r>
-            <a:r>
-              <a:rPr lang="ko-KR" altLang="en-US" sz="1400" dirty="0" err="1">
-                <a:latin typeface="굴림" panose="020B0600000101010101" pitchFamily="50" charset="-127"/>
-                <a:ea typeface="굴림" panose="020B0600000101010101" pitchFamily="50" charset="-127"/>
-              </a:rPr>
-              <a:t>필터링을</a:t>
-            </a:r>
-            <a:endParaRPr lang="ko-KR" altLang="en-US" sz="1400" dirty="0">
-              <a:latin typeface="굴림" panose="020B0600000101010101" pitchFamily="50" charset="-127"/>
-              <a:ea typeface="굴림" panose="020B0600000101010101" pitchFamily="50" charset="-127"/>
-            </a:endParaRPr>
-          </a:p>
-          <a:p>
-            <a:r>
-              <a:rPr lang="ko-KR" altLang="en-US" sz="1400" dirty="0">
-                <a:latin typeface="굴림" panose="020B0600000101010101" pitchFamily="50" charset="-127"/>
-                <a:ea typeface="굴림" panose="020B0600000101010101" pitchFamily="50" charset="-127"/>
-              </a:rPr>
-              <a:t>이용한다</a:t>
-            </a:r>
-            <a:r>
-              <a:rPr lang="en-US" altLang="ko-KR" sz="1400" dirty="0">
-                <a:latin typeface="굴림" panose="020B0600000101010101" pitchFamily="50" charset="-127"/>
-                <a:ea typeface="굴림" panose="020B0600000101010101" pitchFamily="50" charset="-127"/>
-              </a:rPr>
-              <a:t>. </a:t>
-            </a:r>
-            <a:r>
-              <a:rPr lang="ko-KR" altLang="en-US" sz="1400" dirty="0">
-                <a:latin typeface="굴림" panose="020B0600000101010101" pitchFamily="50" charset="-127"/>
-                <a:ea typeface="굴림" panose="020B0600000101010101" pitchFamily="50" charset="-127"/>
-              </a:rPr>
-              <a:t>협업 </a:t>
-            </a:r>
-            <a:r>
-              <a:rPr lang="ko-KR" altLang="en-US" sz="1400" dirty="0" err="1">
-                <a:latin typeface="굴림" panose="020B0600000101010101" pitchFamily="50" charset="-127"/>
-                <a:ea typeface="굴림" panose="020B0600000101010101" pitchFamily="50" charset="-127"/>
-              </a:rPr>
-              <a:t>필터링은</a:t>
-            </a:r>
-            <a:r>
-              <a:rPr lang="ko-KR" altLang="en-US" sz="1400" dirty="0">
-                <a:latin typeface="굴림" panose="020B0600000101010101" pitchFamily="50" charset="-127"/>
-                <a:ea typeface="굴림" panose="020B0600000101010101" pitchFamily="50" charset="-127"/>
-              </a:rPr>
-              <a:t> 아이템 내용 정보를 파악할 필요가 없고 실제</a:t>
-            </a:r>
-          </a:p>
-          <a:p>
-            <a:r>
-              <a:rPr lang="ko-KR" altLang="en-US" sz="1400" dirty="0">
-                <a:latin typeface="굴림" panose="020B0600000101010101" pitchFamily="50" charset="-127"/>
-                <a:ea typeface="굴림" panose="020B0600000101010101" pitchFamily="50" charset="-127"/>
-              </a:rPr>
-              <a:t>사용자가 평가한 점수를 바탕으로 추천해주기 때문에 사용자의 만족도가</a:t>
-            </a:r>
-          </a:p>
-          <a:p>
-            <a:r>
-              <a:rPr lang="ko-KR" altLang="en-US" sz="1400" dirty="0">
-                <a:latin typeface="굴림" panose="020B0600000101010101" pitchFamily="50" charset="-127"/>
-                <a:ea typeface="굴림" panose="020B0600000101010101" pitchFamily="50" charset="-127"/>
-              </a:rPr>
-              <a:t>높다</a:t>
-            </a:r>
-            <a:r>
-              <a:rPr lang="en-US" altLang="ko-KR" sz="1400" dirty="0">
-                <a:latin typeface="굴림" panose="020B0600000101010101" pitchFamily="50" charset="-127"/>
-                <a:ea typeface="굴림" panose="020B0600000101010101" pitchFamily="50" charset="-127"/>
-              </a:rPr>
-              <a:t>. </a:t>
-            </a:r>
-            <a:r>
-              <a:rPr lang="ko-KR" altLang="en-US" sz="1400" dirty="0">
-                <a:latin typeface="굴림" panose="020B0600000101010101" pitchFamily="50" charset="-127"/>
-                <a:ea typeface="굴림" panose="020B0600000101010101" pitchFamily="50" charset="-127"/>
-              </a:rPr>
-              <a:t>이러한 이유로 여러 전자상거래 사이트 </a:t>
-            </a:r>
-            <a:r>
-              <a:rPr lang="en-US" altLang="ko-KR" sz="1400" dirty="0">
-                <a:latin typeface="굴림" panose="020B0600000101010101" pitchFamily="50" charset="-127"/>
-                <a:ea typeface="굴림" panose="020B0600000101010101" pitchFamily="50" charset="-127"/>
-              </a:rPr>
-              <a:t>Amazon.com, </a:t>
-            </a:r>
-            <a:r>
-              <a:rPr lang="en-US" altLang="ko-KR" sz="1400" dirty="0" err="1">
-                <a:latin typeface="굴림" panose="020B0600000101010101" pitchFamily="50" charset="-127"/>
-                <a:ea typeface="굴림" panose="020B0600000101010101" pitchFamily="50" charset="-127"/>
-              </a:rPr>
-              <a:t>CDnow</a:t>
-            </a:r>
-            <a:r>
-              <a:rPr lang="en-US" altLang="ko-KR" sz="1400" dirty="0">
-                <a:latin typeface="굴림" panose="020B0600000101010101" pitchFamily="50" charset="-127"/>
-                <a:ea typeface="굴림" panose="020B0600000101010101" pitchFamily="50" charset="-127"/>
-              </a:rPr>
-              <a:t> </a:t>
-            </a:r>
-            <a:r>
-              <a:rPr lang="ko-KR" altLang="en-US" sz="1400" dirty="0">
-                <a:latin typeface="굴림" panose="020B0600000101010101" pitchFamily="50" charset="-127"/>
-                <a:ea typeface="굴림" panose="020B0600000101010101" pitchFamily="50" charset="-127"/>
-              </a:rPr>
-              <a:t>등</a:t>
-            </a:r>
-          </a:p>
-          <a:p>
-            <a:r>
-              <a:rPr lang="ko-KR" altLang="en-US" sz="1400" dirty="0">
-                <a:latin typeface="굴림" panose="020B0600000101010101" pitchFamily="50" charset="-127"/>
-                <a:ea typeface="굴림" panose="020B0600000101010101" pitchFamily="50" charset="-127"/>
-              </a:rPr>
-              <a:t>에서도 협업 추천시스템을 적용하여 성공을 거두고 있다</a:t>
-            </a:r>
-            <a:r>
-              <a:rPr lang="en-US" altLang="ko-KR" sz="1400" dirty="0">
-                <a:latin typeface="굴림" panose="020B0600000101010101" pitchFamily="50" charset="-127"/>
-                <a:ea typeface="굴림" panose="020B0600000101010101" pitchFamily="50" charset="-127"/>
-              </a:rPr>
-              <a:t>. </a:t>
-            </a:r>
-            <a:r>
-              <a:rPr lang="ko-KR" altLang="en-US" sz="1400" dirty="0">
-                <a:latin typeface="굴림" panose="020B0600000101010101" pitchFamily="50" charset="-127"/>
-                <a:ea typeface="굴림" panose="020B0600000101010101" pitchFamily="50" charset="-127"/>
-              </a:rPr>
-              <a:t>이 연구 또한</a:t>
-            </a:r>
-          </a:p>
-          <a:p>
-            <a:r>
-              <a:rPr lang="ko-KR" altLang="en-US" sz="1400" dirty="0">
-                <a:latin typeface="굴림" panose="020B0600000101010101" pitchFamily="50" charset="-127"/>
-                <a:ea typeface="굴림" panose="020B0600000101010101" pitchFamily="50" charset="-127"/>
-              </a:rPr>
-              <a:t>협업 </a:t>
-            </a:r>
-            <a:r>
-              <a:rPr lang="ko-KR" altLang="en-US" sz="1400" dirty="0" err="1">
-                <a:latin typeface="굴림" panose="020B0600000101010101" pitchFamily="50" charset="-127"/>
-                <a:ea typeface="굴림" panose="020B0600000101010101" pitchFamily="50" charset="-127"/>
-              </a:rPr>
-              <a:t>필터링</a:t>
-            </a:r>
-            <a:r>
-              <a:rPr lang="ko-KR" altLang="en-US" sz="1400" dirty="0">
-                <a:latin typeface="굴림" panose="020B0600000101010101" pitchFamily="50" charset="-127"/>
-                <a:ea typeface="굴림" panose="020B0600000101010101" pitchFamily="50" charset="-127"/>
-              </a:rPr>
-              <a:t> 방식을 적용한다</a:t>
-            </a:r>
-            <a:r>
-              <a:rPr lang="en-US" altLang="ko-KR" sz="1400" dirty="0">
-                <a:latin typeface="굴림" panose="020B0600000101010101" pitchFamily="50" charset="-127"/>
-                <a:ea typeface="굴림" panose="020B0600000101010101" pitchFamily="50" charset="-127"/>
-              </a:rPr>
-              <a:t>. </a:t>
-            </a:r>
-            <a:r>
-              <a:rPr lang="ko-KR" altLang="en-US" sz="1400" dirty="0">
-                <a:latin typeface="굴림" panose="020B0600000101010101" pitchFamily="50" charset="-127"/>
-                <a:ea typeface="굴림" panose="020B0600000101010101" pitchFamily="50" charset="-127"/>
-              </a:rPr>
-              <a:t>따라서 </a:t>
-            </a:r>
-            <a:r>
-              <a:rPr lang="en-US" altLang="ko-KR" sz="1400" dirty="0">
-                <a:latin typeface="굴림" panose="020B0600000101010101" pitchFamily="50" charset="-127"/>
-                <a:ea typeface="굴림" panose="020B0600000101010101" pitchFamily="50" charset="-127"/>
-              </a:rPr>
-              <a:t>2</a:t>
-            </a:r>
-            <a:r>
-              <a:rPr lang="ko-KR" altLang="en-US" sz="1400" dirty="0">
-                <a:latin typeface="굴림" panose="020B0600000101010101" pitchFamily="50" charset="-127"/>
-                <a:ea typeface="굴림" panose="020B0600000101010101" pitchFamily="50" charset="-127"/>
-              </a:rPr>
-              <a:t>절에서는 협업 </a:t>
-            </a:r>
-            <a:r>
-              <a:rPr lang="ko-KR" altLang="en-US" sz="1400" dirty="0" err="1">
-                <a:latin typeface="굴림" panose="020B0600000101010101" pitchFamily="50" charset="-127"/>
-                <a:ea typeface="굴림" panose="020B0600000101010101" pitchFamily="50" charset="-127"/>
-              </a:rPr>
-              <a:t>필터링</a:t>
-            </a:r>
-            <a:r>
-              <a:rPr lang="ko-KR" altLang="en-US" sz="1400" dirty="0">
-                <a:latin typeface="굴림" panose="020B0600000101010101" pitchFamily="50" charset="-127"/>
-                <a:ea typeface="굴림" panose="020B0600000101010101" pitchFamily="50" charset="-127"/>
-              </a:rPr>
-              <a:t> 방식에</a:t>
-            </a:r>
-          </a:p>
-          <a:p>
-            <a:r>
-              <a:rPr lang="ko-KR" altLang="en-US" sz="1400" dirty="0">
-                <a:latin typeface="굴림" panose="020B0600000101010101" pitchFamily="50" charset="-127"/>
-                <a:ea typeface="굴림" panose="020B0600000101010101" pitchFamily="50" charset="-127"/>
-              </a:rPr>
-              <a:t>대해 자세히 살펴보고 협업 </a:t>
-            </a:r>
-            <a:r>
-              <a:rPr lang="ko-KR" altLang="en-US" sz="1400" dirty="0" err="1">
-                <a:latin typeface="굴림" panose="020B0600000101010101" pitchFamily="50" charset="-127"/>
-                <a:ea typeface="굴림" panose="020B0600000101010101" pitchFamily="50" charset="-127"/>
-              </a:rPr>
-              <a:t>필터링에</a:t>
-            </a:r>
-            <a:r>
-              <a:rPr lang="ko-KR" altLang="en-US" sz="1400" dirty="0">
-                <a:latin typeface="굴림" panose="020B0600000101010101" pitchFamily="50" charset="-127"/>
-                <a:ea typeface="굴림" panose="020B0600000101010101" pitchFamily="50" charset="-127"/>
-              </a:rPr>
-              <a:t> 대한 한계도 설명한다</a:t>
-            </a:r>
-            <a:r>
-              <a:rPr lang="en-US" altLang="ko-KR" sz="1400" dirty="0">
-                <a:latin typeface="굴림" panose="020B0600000101010101" pitchFamily="50" charset="-127"/>
-                <a:ea typeface="굴림" panose="020B0600000101010101" pitchFamily="50" charset="-127"/>
-              </a:rPr>
-              <a:t>. </a:t>
-            </a:r>
-            <a:r>
-              <a:rPr lang="ko-KR" altLang="en-US" sz="1400" dirty="0">
-                <a:latin typeface="굴림" panose="020B0600000101010101" pitchFamily="50" charset="-127"/>
-                <a:ea typeface="굴림" panose="020B0600000101010101" pitchFamily="50" charset="-127"/>
-              </a:rPr>
-              <a:t>마지막으로</a:t>
-            </a:r>
-          </a:p>
-          <a:p>
-            <a:r>
-              <a:rPr lang="ko-KR" altLang="en-US" sz="1400" dirty="0">
-                <a:latin typeface="굴림" panose="020B0600000101010101" pitchFamily="50" charset="-127"/>
-                <a:ea typeface="굴림" panose="020B0600000101010101" pitchFamily="50" charset="-127"/>
-              </a:rPr>
-              <a:t>이러한 한계를 개선하기 위한 노력을 살펴본다</a:t>
-            </a:r>
-            <a:r>
-              <a:rPr lang="en-US" altLang="ko-KR" sz="1400" dirty="0">
-                <a:latin typeface="굴림" panose="020B0600000101010101" pitchFamily="50" charset="-127"/>
-                <a:ea typeface="굴림" panose="020B0600000101010101" pitchFamily="50" charset="-127"/>
-              </a:rPr>
-              <a:t>.</a:t>
-            </a:r>
-            <a:endParaRPr lang="ko-KR" altLang="en-US" sz="1400" dirty="0">
-              <a:latin typeface="굴림" panose="020B0600000101010101" pitchFamily="50" charset="-127"/>
-              <a:ea typeface="굴림" panose="020B0600000101010101" pitchFamily="50" charset="-127"/>
-            </a:endParaRPr>
-          </a:p>
-        </p:txBody>
-      </p:sp>
-      <p:sp>
-        <p:nvSpPr>
-          <p:cNvPr id="3" name="직사각형 2"/>
-          <p:cNvSpPr/>
-          <p:nvPr/>
-        </p:nvSpPr>
-        <p:spPr>
-          <a:xfrm>
-            <a:off x="467544" y="426436"/>
-            <a:ext cx="8136904" cy="2123658"/>
-          </a:xfrm>
-          <a:prstGeom prst="rect">
-            <a:avLst/>
-          </a:prstGeom>
-        </p:spPr>
-        <p:txBody>
-          <a:bodyPr wrap="square">
-            <a:spAutoFit/>
-          </a:bodyPr>
-          <a:lstStyle/>
-          <a:p>
-            <a:r>
-              <a:rPr lang="ko-KR" altLang="en-US" sz="1600" dirty="0"/>
-              <a:t>협업 </a:t>
-            </a:r>
-            <a:r>
-              <a:rPr lang="ko-KR" altLang="en-US" sz="1600" dirty="0" err="1"/>
-              <a:t>필터링이란</a:t>
-            </a:r>
-            <a:r>
-              <a:rPr lang="ko-KR" altLang="en-US" sz="1600" dirty="0"/>
-              <a:t> 대규모의 기존 사용자 행동 정보를 분석하여 해당 사용자와 비슷한 </a:t>
-            </a:r>
-            <a:r>
-              <a:rPr lang="ko-KR" altLang="en-US" sz="1600" dirty="0" smtClean="0"/>
-              <a:t>성향의 사용자들이 </a:t>
-            </a:r>
-            <a:r>
-              <a:rPr lang="ko-KR" altLang="en-US" sz="1600" dirty="0"/>
-              <a:t>기존에 좋아했던 항목을 추천하는 기술이다</a:t>
-            </a:r>
-            <a:r>
-              <a:rPr lang="en-US" altLang="ko-KR" sz="1600" dirty="0" smtClean="0"/>
-              <a:t>.</a:t>
-            </a:r>
-          </a:p>
-          <a:p>
-            <a:endParaRPr lang="en-US" altLang="ko-KR" sz="1600" dirty="0" smtClean="0"/>
-          </a:p>
-          <a:p>
-            <a:r>
-              <a:rPr lang="ko-KR" altLang="en-US" sz="1400" dirty="0" smtClean="0"/>
-              <a:t> </a:t>
-            </a:r>
-            <a:r>
-              <a:rPr lang="en-US" altLang="ko-KR" sz="1400" dirty="0" smtClean="0"/>
-              <a:t>: </a:t>
-            </a:r>
-            <a:r>
-              <a:rPr lang="ko-KR" altLang="en-US" sz="1400" dirty="0" smtClean="0"/>
-              <a:t>이 </a:t>
-            </a:r>
-            <a:r>
-              <a:rPr lang="ko-KR" altLang="en-US" sz="1400" dirty="0"/>
-              <a:t>알고리즘은 결과가 직관적이며 항목의 구체적인 내용을 분석할 필요가 없다는 장점이 </a:t>
-            </a:r>
-            <a:r>
-              <a:rPr lang="ko-KR" altLang="en-US" sz="1400" dirty="0" err="1"/>
-              <a:t>있</a:t>
-            </a:r>
-            <a:endParaRPr lang="ko-KR" altLang="en-US" sz="1400" dirty="0"/>
-          </a:p>
-          <a:p>
-            <a:r>
-              <a:rPr lang="ko-KR" altLang="en-US" sz="1400" dirty="0"/>
-              <a:t>다</a:t>
-            </a:r>
-            <a:r>
-              <a:rPr lang="en-US" altLang="ko-KR" sz="1400" dirty="0"/>
-              <a:t>. </a:t>
-            </a:r>
-            <a:r>
-              <a:rPr lang="ko-KR" altLang="en-US" sz="1400" dirty="0"/>
-              <a:t>이 경우는 라면과 생수가 식품인지 아닌지</a:t>
-            </a:r>
-            <a:r>
-              <a:rPr lang="en-US" altLang="ko-KR" sz="1400" dirty="0"/>
-              <a:t>, </a:t>
-            </a:r>
-            <a:r>
-              <a:rPr lang="ko-KR" altLang="en-US" sz="1400" dirty="0"/>
-              <a:t>서로 같이 사용되어야 하는 관계인지 분석할 필요</a:t>
-            </a:r>
-          </a:p>
-          <a:p>
-            <a:r>
-              <a:rPr lang="ko-KR" altLang="en-US" sz="1400" dirty="0"/>
-              <a:t>가 없다</a:t>
-            </a:r>
-            <a:r>
-              <a:rPr lang="en-US" altLang="ko-KR" sz="1400" dirty="0"/>
-              <a:t>. </a:t>
-            </a:r>
-            <a:r>
-              <a:rPr lang="ko-KR" altLang="en-US" sz="1400" dirty="0"/>
-              <a:t>다만 사용자가 두 제품을 같이 구매했다는 기록을 바탕으로 새로운 사용자에게 추천한</a:t>
-            </a:r>
-          </a:p>
-          <a:p>
-            <a:r>
-              <a:rPr lang="ko-KR" altLang="en-US" sz="1400" dirty="0"/>
-              <a:t>다</a:t>
-            </a:r>
-            <a:r>
-              <a:rPr lang="en-US" altLang="ko-KR" sz="1400" dirty="0"/>
-              <a:t>. </a:t>
-            </a:r>
-            <a:r>
-              <a:rPr lang="ko-KR" altLang="en-US" sz="1400" dirty="0"/>
-              <a:t>이러한 전략을 사용하는 경우</a:t>
-            </a:r>
-            <a:r>
-              <a:rPr lang="en-US" altLang="ko-KR" sz="1400" dirty="0"/>
-              <a:t>, </a:t>
-            </a:r>
-            <a:r>
-              <a:rPr lang="ko-KR" altLang="en-US" sz="1400" dirty="0"/>
-              <a:t>비슷한 패턴을 가진 사용자나 항목을 추출하는 기술이 핵심적</a:t>
-            </a:r>
-          </a:p>
-          <a:p>
-            <a:r>
-              <a:rPr lang="ko-KR" altLang="en-US" sz="1400" dirty="0"/>
-              <a:t>이며 행렬분해</a:t>
-            </a:r>
-            <a:r>
-              <a:rPr lang="en-US" altLang="ko-KR" sz="1400" dirty="0"/>
-              <a:t>(Matrix Factorization), k-</a:t>
-            </a:r>
-            <a:r>
-              <a:rPr lang="ko-KR" altLang="en-US" sz="1400" dirty="0" err="1"/>
-              <a:t>최근접</a:t>
-            </a:r>
-            <a:r>
-              <a:rPr lang="ko-KR" altLang="en-US" sz="1400" dirty="0"/>
-              <a:t> 이웃 알고리즘 </a:t>
-            </a:r>
-            <a:r>
-              <a:rPr lang="en-US" altLang="ko-KR" sz="1400" dirty="0"/>
-              <a:t>(k-Nearest Neighbor algorithm;</a:t>
-            </a:r>
-          </a:p>
-          <a:p>
-            <a:r>
-              <a:rPr lang="en-US" altLang="ko-KR" sz="1400" dirty="0" err="1"/>
-              <a:t>kNN</a:t>
-            </a:r>
-            <a:r>
-              <a:rPr lang="en-US" altLang="ko-KR" sz="1400" dirty="0"/>
-              <a:t>) </a:t>
-            </a:r>
-            <a:r>
-              <a:rPr lang="ko-KR" altLang="en-US" sz="1400" dirty="0"/>
-              <a:t>등의 방법이 많이 사용된다</a:t>
-            </a:r>
-            <a:endParaRPr lang="ko-KR" altLang="en-US" sz="1400" dirty="0"/>
-          </a:p>
-        </p:txBody>
-      </p:sp>
-      <p:sp>
-        <p:nvSpPr>
-          <p:cNvPr id="4" name="TextBox 3"/>
-          <p:cNvSpPr txBox="1"/>
-          <p:nvPr/>
-        </p:nvSpPr>
-        <p:spPr>
-          <a:xfrm>
-            <a:off x="6928989" y="3861048"/>
-            <a:ext cx="1675459" cy="900246"/>
-          </a:xfrm>
-          <a:prstGeom prst="rect">
-            <a:avLst/>
-          </a:prstGeom>
-          <a:noFill/>
-        </p:spPr>
-        <p:txBody>
-          <a:bodyPr wrap="none" rtlCol="0">
-            <a:spAutoFit/>
-          </a:bodyPr>
-          <a:lstStyle/>
-          <a:p>
-            <a:r>
-              <a:rPr lang="ko-KR" altLang="en-US" sz="1050" dirty="0" smtClean="0"/>
-              <a:t>영화 관련 가능한 서비스</a:t>
-            </a:r>
-            <a:endParaRPr lang="en-US" altLang="ko-KR" sz="1050" dirty="0" smtClean="0"/>
-          </a:p>
-          <a:p>
-            <a:pPr marL="228600" indent="-228600">
-              <a:buAutoNum type="arabicPeriod"/>
-            </a:pPr>
-            <a:r>
-              <a:rPr lang="ko-KR" altLang="en-US" sz="1050" dirty="0" smtClean="0"/>
-              <a:t>영화 추천</a:t>
-            </a:r>
-            <a:endParaRPr lang="en-US" altLang="ko-KR" sz="1050" dirty="0" smtClean="0"/>
-          </a:p>
-          <a:p>
-            <a:pPr marL="228600" indent="-228600">
-              <a:buAutoNum type="arabicPeriod"/>
-            </a:pPr>
-            <a:r>
-              <a:rPr lang="ko-KR" altLang="en-US" sz="1050" dirty="0" smtClean="0"/>
-              <a:t>영화 선호도 분석</a:t>
-            </a:r>
-            <a:endParaRPr lang="en-US" altLang="ko-KR" sz="1050" dirty="0" smtClean="0"/>
-          </a:p>
-          <a:p>
-            <a:r>
-              <a:rPr lang="en-US" altLang="ko-KR" sz="1050" dirty="0" smtClean="0"/>
-              <a:t>3. </a:t>
-            </a:r>
-            <a:endParaRPr lang="en-US" altLang="ko-KR" sz="1050" dirty="0"/>
-          </a:p>
-          <a:p>
-            <a:endParaRPr lang="ko-KR" altLang="en-US" sz="1050" dirty="0" smtClean="0"/>
-          </a:p>
-        </p:txBody>
-      </p:sp>
-    </p:spTree>
-    <p:extLst>
-      <p:ext uri="{BB962C8B-B14F-4D97-AF65-F5344CB8AC3E}">
-        <p14:creationId xmlns:p14="http://schemas.microsoft.com/office/powerpoint/2010/main" val="3143121094"/>
-      </p:ext>
-    </p:extLst>
-  </p:cSld>
-  <p:clrMapOvr>
-    <a:masterClrMapping/>
-  </p:clrMapOvr>
-  <p:timing>
-    <p:tnLst>
-      <p:par>
-        <p:cTn id="1" dur="indefinite" restart="never" nodeType="tmRoot"/>
-      </p:par>
-    </p:tnLst>
-  </p:timing>
-</p:sld>
-</file>
-
-<file path=ppt/slides/slide6.xml><?xml version="1.0" encoding="utf-8"?>
-<p:sld xmlns:a="http://schemas.openxmlformats.org/drawingml/2006/main" xmlns:r="http://schemas.openxmlformats.org/officeDocument/2006/relationships" xmlns:p="http://schemas.openxmlformats.org/presentationml/2006/main">
-  <p:cSld>
-    <p:spTree>
-      <p:nvGrpSpPr>
-        <p:cNvPr id="1" name=""/>
-        <p:cNvGrpSpPr/>
-        <p:nvPr/>
-      </p:nvGrpSpPr>
-      <p:grpSpPr>
-        <a:xfrm>
-          <a:off x="0" y="0"/>
-          <a:ext cx="0" cy="0"/>
-          <a:chOff x="0" y="0"/>
-          <a:chExt cx="0" cy="0"/>
-        </a:xfrm>
-      </p:grpSpPr>
       <p:pic>
         <p:nvPicPr>
           <p:cNvPr id="1026" name="Picture 2"/>
@@ -8101,10 +7765,727 @@
           </a:p>
         </p:txBody>
       </p:sp>
+      <p:sp>
+        <p:nvSpPr>
+          <p:cNvPr id="4" name="직사각형 3"/>
+          <p:cNvSpPr/>
+          <p:nvPr/>
+        </p:nvSpPr>
+        <p:spPr>
+          <a:xfrm>
+            <a:off x="1691680" y="3181350"/>
+            <a:ext cx="1289645" cy="438150"/>
+          </a:xfrm>
+          <a:prstGeom prst="rect">
+            <a:avLst/>
+          </a:prstGeom>
+          <a:noFill/>
+          <a:ln>
+            <a:solidFill>
+              <a:srgbClr val="FF0000"/>
+            </a:solidFill>
+          </a:ln>
+        </p:spPr>
+        <p:style>
+          <a:lnRef idx="2">
+            <a:schemeClr val="accent1">
+              <a:shade val="50000"/>
+            </a:schemeClr>
+          </a:lnRef>
+          <a:fillRef idx="1">
+            <a:schemeClr val="accent1"/>
+          </a:fillRef>
+          <a:effectRef idx="0">
+            <a:schemeClr val="accent1"/>
+          </a:effectRef>
+          <a:fontRef idx="minor">
+            <a:schemeClr val="lt1"/>
+          </a:fontRef>
+        </p:style>
+        <p:txBody>
+          <a:bodyPr rtlCol="0" anchor="ctr"/>
+          <a:lstStyle/>
+          <a:p>
+            <a:pPr algn="ctr"/>
+            <a:endParaRPr lang="ko-KR" altLang="en-US"/>
+          </a:p>
+        </p:txBody>
+      </p:sp>
     </p:spTree>
     <p:extLst>
       <p:ext uri="{BB962C8B-B14F-4D97-AF65-F5344CB8AC3E}">
         <p14:creationId xmlns:p14="http://schemas.microsoft.com/office/powerpoint/2010/main" val="2714357282"/>
+      </p:ext>
+    </p:extLst>
+  </p:cSld>
+  <p:clrMapOvr>
+    <a:masterClrMapping/>
+  </p:clrMapOvr>
+  <p:timing>
+    <p:tnLst>
+      <p:par>
+        <p:cTn id="1" dur="indefinite" restart="never" nodeType="tmRoot"/>
+      </p:par>
+    </p:tnLst>
+  </p:timing>
+</p:sld>
+</file>
+
+<file path=ppt/slides/slide6.xml><?xml version="1.0" encoding="utf-8"?>
+<p:sld xmlns:a="http://schemas.openxmlformats.org/drawingml/2006/main" xmlns:r="http://schemas.openxmlformats.org/officeDocument/2006/relationships" xmlns:p="http://schemas.openxmlformats.org/presentationml/2006/main">
+  <p:cSld>
+    <p:spTree>
+      <p:nvGrpSpPr>
+        <p:cNvPr id="1" name=""/>
+        <p:cNvGrpSpPr/>
+        <p:nvPr/>
+      </p:nvGrpSpPr>
+      <p:grpSpPr>
+        <a:xfrm>
+          <a:off x="0" y="0"/>
+          <a:ext cx="0" cy="0"/>
+          <a:chOff x="0" y="0"/>
+          <a:chExt cx="0" cy="0"/>
+        </a:xfrm>
+      </p:grpSpPr>
+      <p:sp>
+        <p:nvSpPr>
+          <p:cNvPr id="2" name="직사각형 1"/>
+          <p:cNvSpPr/>
+          <p:nvPr/>
+        </p:nvSpPr>
+        <p:spPr>
+          <a:xfrm>
+            <a:off x="489316" y="2964386"/>
+            <a:ext cx="6606480" cy="2893100"/>
+          </a:xfrm>
+          <a:prstGeom prst="rect">
+            <a:avLst/>
+          </a:prstGeom>
+        </p:spPr>
+        <p:txBody>
+          <a:bodyPr wrap="square">
+            <a:spAutoFit/>
+          </a:bodyPr>
+          <a:lstStyle/>
+          <a:p>
+            <a:r>
+              <a:rPr lang="en-US" altLang="ko-KR" sz="1400" dirty="0">
+                <a:latin typeface="굴림" panose="020B0600000101010101" pitchFamily="50" charset="-127"/>
+                <a:ea typeface="굴림" panose="020B0600000101010101" pitchFamily="50" charset="-127"/>
+              </a:rPr>
+              <a:t>5. </a:t>
+            </a:r>
+            <a:r>
+              <a:rPr lang="ko-KR" altLang="en-US" sz="1400" dirty="0">
+                <a:latin typeface="굴림" panose="020B0600000101010101" pitchFamily="50" charset="-127"/>
+                <a:ea typeface="굴림" panose="020B0600000101010101" pitchFamily="50" charset="-127"/>
+              </a:rPr>
+              <a:t>협업 </a:t>
+            </a:r>
+            <a:r>
+              <a:rPr lang="ko-KR" altLang="en-US" sz="1400" dirty="0" err="1">
+                <a:latin typeface="굴림" panose="020B0600000101010101" pitchFamily="50" charset="-127"/>
+                <a:ea typeface="굴림" panose="020B0600000101010101" pitchFamily="50" charset="-127"/>
+              </a:rPr>
+              <a:t>필터링</a:t>
+            </a:r>
+            <a:r>
+              <a:rPr lang="ko-KR" altLang="en-US" sz="1400" dirty="0">
+                <a:latin typeface="굴림" panose="020B0600000101010101" pitchFamily="50" charset="-127"/>
+                <a:ea typeface="굴림" panose="020B0600000101010101" pitchFamily="50" charset="-127"/>
+              </a:rPr>
+              <a:t> 시스템의 우수성</a:t>
+            </a:r>
+          </a:p>
+          <a:p>
+            <a:r>
+              <a:rPr lang="ko-KR" altLang="en-US" sz="1400" dirty="0">
+                <a:latin typeface="굴림" panose="020B0600000101010101" pitchFamily="50" charset="-127"/>
+                <a:ea typeface="굴림" panose="020B0600000101010101" pitchFamily="50" charset="-127"/>
+              </a:rPr>
+              <a:t>이처럼 추천시스템에서 추천이 이루어지는 방법은 크게 네 가지가</a:t>
+            </a:r>
+          </a:p>
+          <a:p>
+            <a:r>
+              <a:rPr lang="ko-KR" altLang="en-US" sz="1400" dirty="0">
+                <a:latin typeface="굴림" panose="020B0600000101010101" pitchFamily="50" charset="-127"/>
+                <a:ea typeface="굴림" panose="020B0600000101010101" pitchFamily="50" charset="-127"/>
+              </a:rPr>
+              <a:t>존재한다</a:t>
+            </a:r>
+            <a:r>
+              <a:rPr lang="en-US" altLang="ko-KR" sz="1400" dirty="0">
+                <a:latin typeface="굴림" panose="020B0600000101010101" pitchFamily="50" charset="-127"/>
+                <a:ea typeface="굴림" panose="020B0600000101010101" pitchFamily="50" charset="-127"/>
+              </a:rPr>
+              <a:t>. </a:t>
+            </a:r>
+            <a:r>
+              <a:rPr lang="ko-KR" altLang="en-US" sz="1400" dirty="0">
+                <a:latin typeface="굴림" panose="020B0600000101010101" pitchFamily="50" charset="-127"/>
+                <a:ea typeface="굴림" panose="020B0600000101010101" pitchFamily="50" charset="-127"/>
+              </a:rPr>
+              <a:t>하지만 내용기반 분석의 경우 </a:t>
+            </a:r>
+            <a:r>
+              <a:rPr lang="ko-KR" altLang="en-US" sz="1400" dirty="0" err="1">
+                <a:latin typeface="굴림" panose="020B0600000101010101" pitchFamily="50" charset="-127"/>
+                <a:ea typeface="굴림" panose="020B0600000101010101" pitchFamily="50" charset="-127"/>
+              </a:rPr>
+              <a:t>콘텐츠를</a:t>
+            </a:r>
+            <a:r>
+              <a:rPr lang="ko-KR" altLang="en-US" sz="1400" dirty="0">
+                <a:latin typeface="굴림" panose="020B0600000101010101" pitchFamily="50" charset="-127"/>
+                <a:ea typeface="굴림" panose="020B0600000101010101" pitchFamily="50" charset="-127"/>
+              </a:rPr>
+              <a:t> 분석하고 비교하는</a:t>
+            </a:r>
+          </a:p>
+          <a:p>
+            <a:r>
+              <a:rPr lang="ko-KR" altLang="en-US" sz="1400" dirty="0">
+                <a:latin typeface="굴림" panose="020B0600000101010101" pitchFamily="50" charset="-127"/>
+                <a:ea typeface="굴림" panose="020B0600000101010101" pitchFamily="50" charset="-127"/>
+              </a:rPr>
+              <a:t>것이 까다롭고</a:t>
+            </a:r>
+            <a:r>
+              <a:rPr lang="en-US" altLang="ko-KR" sz="1400" dirty="0">
+                <a:latin typeface="굴림" panose="020B0600000101010101" pitchFamily="50" charset="-127"/>
+                <a:ea typeface="굴림" panose="020B0600000101010101" pitchFamily="50" charset="-127"/>
+              </a:rPr>
+              <a:t>, </a:t>
+            </a:r>
+            <a:r>
+              <a:rPr lang="ko-KR" altLang="en-US" sz="1400" dirty="0">
+                <a:latin typeface="굴림" panose="020B0600000101010101" pitchFamily="50" charset="-127"/>
+                <a:ea typeface="굴림" panose="020B0600000101010101" pitchFamily="50" charset="-127"/>
+              </a:rPr>
+              <a:t>상황 기반 추천의 경우 사용자의 복합적인 상황 정보를</a:t>
+            </a:r>
+          </a:p>
+          <a:p>
+            <a:r>
+              <a:rPr lang="ko-KR" altLang="en-US" sz="1400" dirty="0">
+                <a:latin typeface="굴림" panose="020B0600000101010101" pitchFamily="50" charset="-127"/>
+                <a:ea typeface="굴림" panose="020B0600000101010101" pitchFamily="50" charset="-127"/>
+              </a:rPr>
+              <a:t>추출하고 각 상황마다 적절한 추천을 하는 것이 어렵다</a:t>
+            </a:r>
+            <a:r>
+              <a:rPr lang="en-US" altLang="ko-KR" sz="1400" dirty="0">
+                <a:latin typeface="굴림" panose="020B0600000101010101" pitchFamily="50" charset="-127"/>
+                <a:ea typeface="굴림" panose="020B0600000101010101" pitchFamily="50" charset="-127"/>
+              </a:rPr>
+              <a:t>. </a:t>
+            </a:r>
+            <a:r>
+              <a:rPr lang="ko-KR" altLang="en-US" sz="1400" dirty="0">
+                <a:latin typeface="굴림" panose="020B0600000101010101" pitchFamily="50" charset="-127"/>
+                <a:ea typeface="굴림" panose="020B0600000101010101" pitchFamily="50" charset="-127"/>
+              </a:rPr>
+              <a:t>따라서 이</a:t>
+            </a:r>
+          </a:p>
+          <a:p>
+            <a:r>
+              <a:rPr lang="ko-KR" altLang="en-US" sz="1400" dirty="0">
+                <a:latin typeface="굴림" panose="020B0600000101010101" pitchFamily="50" charset="-127"/>
+                <a:ea typeface="굴림" panose="020B0600000101010101" pitchFamily="50" charset="-127"/>
+              </a:rPr>
+              <a:t>연구에서는 추천시스템에서 가장 많이 연구되고 있는 협업 </a:t>
+            </a:r>
+            <a:r>
+              <a:rPr lang="ko-KR" altLang="en-US" sz="1400" dirty="0" err="1">
+                <a:latin typeface="굴림" panose="020B0600000101010101" pitchFamily="50" charset="-127"/>
+                <a:ea typeface="굴림" panose="020B0600000101010101" pitchFamily="50" charset="-127"/>
+              </a:rPr>
+              <a:t>필터링을</a:t>
+            </a:r>
+            <a:endParaRPr lang="ko-KR" altLang="en-US" sz="1400" dirty="0">
+              <a:latin typeface="굴림" panose="020B0600000101010101" pitchFamily="50" charset="-127"/>
+              <a:ea typeface="굴림" panose="020B0600000101010101" pitchFamily="50" charset="-127"/>
+            </a:endParaRPr>
+          </a:p>
+          <a:p>
+            <a:r>
+              <a:rPr lang="ko-KR" altLang="en-US" sz="1400" dirty="0">
+                <a:latin typeface="굴림" panose="020B0600000101010101" pitchFamily="50" charset="-127"/>
+                <a:ea typeface="굴림" panose="020B0600000101010101" pitchFamily="50" charset="-127"/>
+              </a:rPr>
+              <a:t>이용한다</a:t>
+            </a:r>
+            <a:r>
+              <a:rPr lang="en-US" altLang="ko-KR" sz="1400" dirty="0">
+                <a:latin typeface="굴림" panose="020B0600000101010101" pitchFamily="50" charset="-127"/>
+                <a:ea typeface="굴림" panose="020B0600000101010101" pitchFamily="50" charset="-127"/>
+              </a:rPr>
+              <a:t>. </a:t>
+            </a:r>
+            <a:r>
+              <a:rPr lang="ko-KR" altLang="en-US" sz="1400" dirty="0">
+                <a:latin typeface="굴림" panose="020B0600000101010101" pitchFamily="50" charset="-127"/>
+                <a:ea typeface="굴림" panose="020B0600000101010101" pitchFamily="50" charset="-127"/>
+              </a:rPr>
+              <a:t>협업 </a:t>
+            </a:r>
+            <a:r>
+              <a:rPr lang="ko-KR" altLang="en-US" sz="1400" dirty="0" err="1">
+                <a:latin typeface="굴림" panose="020B0600000101010101" pitchFamily="50" charset="-127"/>
+                <a:ea typeface="굴림" panose="020B0600000101010101" pitchFamily="50" charset="-127"/>
+              </a:rPr>
+              <a:t>필터링은</a:t>
+            </a:r>
+            <a:r>
+              <a:rPr lang="ko-KR" altLang="en-US" sz="1400" dirty="0">
+                <a:latin typeface="굴림" panose="020B0600000101010101" pitchFamily="50" charset="-127"/>
+                <a:ea typeface="굴림" panose="020B0600000101010101" pitchFamily="50" charset="-127"/>
+              </a:rPr>
+              <a:t> 아이템 내용 정보를 파악할 필요가 없고 실제</a:t>
+            </a:r>
+          </a:p>
+          <a:p>
+            <a:r>
+              <a:rPr lang="ko-KR" altLang="en-US" sz="1400" dirty="0">
+                <a:latin typeface="굴림" panose="020B0600000101010101" pitchFamily="50" charset="-127"/>
+                <a:ea typeface="굴림" panose="020B0600000101010101" pitchFamily="50" charset="-127"/>
+              </a:rPr>
+              <a:t>사용자가 평가한 점수를 바탕으로 추천해주기 때문에 사용자의 만족도가</a:t>
+            </a:r>
+          </a:p>
+          <a:p>
+            <a:r>
+              <a:rPr lang="ko-KR" altLang="en-US" sz="1400" dirty="0">
+                <a:latin typeface="굴림" panose="020B0600000101010101" pitchFamily="50" charset="-127"/>
+                <a:ea typeface="굴림" panose="020B0600000101010101" pitchFamily="50" charset="-127"/>
+              </a:rPr>
+              <a:t>높다</a:t>
+            </a:r>
+            <a:r>
+              <a:rPr lang="en-US" altLang="ko-KR" sz="1400" dirty="0">
+                <a:latin typeface="굴림" panose="020B0600000101010101" pitchFamily="50" charset="-127"/>
+                <a:ea typeface="굴림" panose="020B0600000101010101" pitchFamily="50" charset="-127"/>
+              </a:rPr>
+              <a:t>. </a:t>
+            </a:r>
+            <a:r>
+              <a:rPr lang="ko-KR" altLang="en-US" sz="1400" dirty="0">
+                <a:latin typeface="굴림" panose="020B0600000101010101" pitchFamily="50" charset="-127"/>
+                <a:ea typeface="굴림" panose="020B0600000101010101" pitchFamily="50" charset="-127"/>
+              </a:rPr>
+              <a:t>이러한 이유로 여러 전자상거래 사이트 </a:t>
+            </a:r>
+            <a:r>
+              <a:rPr lang="en-US" altLang="ko-KR" sz="1400" dirty="0">
+                <a:latin typeface="굴림" panose="020B0600000101010101" pitchFamily="50" charset="-127"/>
+                <a:ea typeface="굴림" panose="020B0600000101010101" pitchFamily="50" charset="-127"/>
+              </a:rPr>
+              <a:t>Amazon.com, </a:t>
+            </a:r>
+            <a:r>
+              <a:rPr lang="en-US" altLang="ko-KR" sz="1400" dirty="0" err="1">
+                <a:latin typeface="굴림" panose="020B0600000101010101" pitchFamily="50" charset="-127"/>
+                <a:ea typeface="굴림" panose="020B0600000101010101" pitchFamily="50" charset="-127"/>
+              </a:rPr>
+              <a:t>CDnow</a:t>
+            </a:r>
+            <a:r>
+              <a:rPr lang="en-US" altLang="ko-KR" sz="1400" dirty="0">
+                <a:latin typeface="굴림" panose="020B0600000101010101" pitchFamily="50" charset="-127"/>
+                <a:ea typeface="굴림" panose="020B0600000101010101" pitchFamily="50" charset="-127"/>
+              </a:rPr>
+              <a:t> </a:t>
+            </a:r>
+            <a:r>
+              <a:rPr lang="ko-KR" altLang="en-US" sz="1400" dirty="0">
+                <a:latin typeface="굴림" panose="020B0600000101010101" pitchFamily="50" charset="-127"/>
+                <a:ea typeface="굴림" panose="020B0600000101010101" pitchFamily="50" charset="-127"/>
+              </a:rPr>
+              <a:t>등</a:t>
+            </a:r>
+          </a:p>
+          <a:p>
+            <a:r>
+              <a:rPr lang="ko-KR" altLang="en-US" sz="1400" dirty="0">
+                <a:latin typeface="굴림" panose="020B0600000101010101" pitchFamily="50" charset="-127"/>
+                <a:ea typeface="굴림" panose="020B0600000101010101" pitchFamily="50" charset="-127"/>
+              </a:rPr>
+              <a:t>에서도 협업 추천시스템을 적용하여 성공을 거두고 있다</a:t>
+            </a:r>
+            <a:r>
+              <a:rPr lang="en-US" altLang="ko-KR" sz="1400" dirty="0">
+                <a:latin typeface="굴림" panose="020B0600000101010101" pitchFamily="50" charset="-127"/>
+                <a:ea typeface="굴림" panose="020B0600000101010101" pitchFamily="50" charset="-127"/>
+              </a:rPr>
+              <a:t>. </a:t>
+            </a:r>
+            <a:r>
+              <a:rPr lang="ko-KR" altLang="en-US" sz="1400" dirty="0">
+                <a:latin typeface="굴림" panose="020B0600000101010101" pitchFamily="50" charset="-127"/>
+                <a:ea typeface="굴림" panose="020B0600000101010101" pitchFamily="50" charset="-127"/>
+              </a:rPr>
+              <a:t>이 연구 또한</a:t>
+            </a:r>
+          </a:p>
+          <a:p>
+            <a:r>
+              <a:rPr lang="ko-KR" altLang="en-US" sz="1400" dirty="0">
+                <a:latin typeface="굴림" panose="020B0600000101010101" pitchFamily="50" charset="-127"/>
+                <a:ea typeface="굴림" panose="020B0600000101010101" pitchFamily="50" charset="-127"/>
+              </a:rPr>
+              <a:t>협업 </a:t>
+            </a:r>
+            <a:r>
+              <a:rPr lang="ko-KR" altLang="en-US" sz="1400" dirty="0" err="1">
+                <a:latin typeface="굴림" panose="020B0600000101010101" pitchFamily="50" charset="-127"/>
+                <a:ea typeface="굴림" panose="020B0600000101010101" pitchFamily="50" charset="-127"/>
+              </a:rPr>
+              <a:t>필터링</a:t>
+            </a:r>
+            <a:r>
+              <a:rPr lang="ko-KR" altLang="en-US" sz="1400" dirty="0">
+                <a:latin typeface="굴림" panose="020B0600000101010101" pitchFamily="50" charset="-127"/>
+                <a:ea typeface="굴림" panose="020B0600000101010101" pitchFamily="50" charset="-127"/>
+              </a:rPr>
+              <a:t> 방식을 적용한다</a:t>
+            </a:r>
+            <a:r>
+              <a:rPr lang="en-US" altLang="ko-KR" sz="1400" dirty="0">
+                <a:latin typeface="굴림" panose="020B0600000101010101" pitchFamily="50" charset="-127"/>
+                <a:ea typeface="굴림" panose="020B0600000101010101" pitchFamily="50" charset="-127"/>
+              </a:rPr>
+              <a:t>. </a:t>
+            </a:r>
+            <a:r>
+              <a:rPr lang="ko-KR" altLang="en-US" sz="1400" dirty="0">
+                <a:latin typeface="굴림" panose="020B0600000101010101" pitchFamily="50" charset="-127"/>
+                <a:ea typeface="굴림" panose="020B0600000101010101" pitchFamily="50" charset="-127"/>
+              </a:rPr>
+              <a:t>따라서 </a:t>
+            </a:r>
+            <a:r>
+              <a:rPr lang="en-US" altLang="ko-KR" sz="1400" dirty="0">
+                <a:latin typeface="굴림" panose="020B0600000101010101" pitchFamily="50" charset="-127"/>
+                <a:ea typeface="굴림" panose="020B0600000101010101" pitchFamily="50" charset="-127"/>
+              </a:rPr>
+              <a:t>2</a:t>
+            </a:r>
+            <a:r>
+              <a:rPr lang="ko-KR" altLang="en-US" sz="1400" dirty="0">
+                <a:latin typeface="굴림" panose="020B0600000101010101" pitchFamily="50" charset="-127"/>
+                <a:ea typeface="굴림" panose="020B0600000101010101" pitchFamily="50" charset="-127"/>
+              </a:rPr>
+              <a:t>절에서는 협업 </a:t>
+            </a:r>
+            <a:r>
+              <a:rPr lang="ko-KR" altLang="en-US" sz="1400" dirty="0" err="1">
+                <a:latin typeface="굴림" panose="020B0600000101010101" pitchFamily="50" charset="-127"/>
+                <a:ea typeface="굴림" panose="020B0600000101010101" pitchFamily="50" charset="-127"/>
+              </a:rPr>
+              <a:t>필터링</a:t>
+            </a:r>
+            <a:r>
+              <a:rPr lang="ko-KR" altLang="en-US" sz="1400" dirty="0">
+                <a:latin typeface="굴림" panose="020B0600000101010101" pitchFamily="50" charset="-127"/>
+                <a:ea typeface="굴림" panose="020B0600000101010101" pitchFamily="50" charset="-127"/>
+              </a:rPr>
+              <a:t> 방식에</a:t>
+            </a:r>
+          </a:p>
+          <a:p>
+            <a:r>
+              <a:rPr lang="ko-KR" altLang="en-US" sz="1400" dirty="0">
+                <a:latin typeface="굴림" panose="020B0600000101010101" pitchFamily="50" charset="-127"/>
+                <a:ea typeface="굴림" panose="020B0600000101010101" pitchFamily="50" charset="-127"/>
+              </a:rPr>
+              <a:t>대해 자세히 살펴보고 협업 </a:t>
+            </a:r>
+            <a:r>
+              <a:rPr lang="ko-KR" altLang="en-US" sz="1400" dirty="0" err="1">
+                <a:latin typeface="굴림" panose="020B0600000101010101" pitchFamily="50" charset="-127"/>
+                <a:ea typeface="굴림" panose="020B0600000101010101" pitchFamily="50" charset="-127"/>
+              </a:rPr>
+              <a:t>필터링에</a:t>
+            </a:r>
+            <a:r>
+              <a:rPr lang="ko-KR" altLang="en-US" sz="1400" dirty="0">
+                <a:latin typeface="굴림" panose="020B0600000101010101" pitchFamily="50" charset="-127"/>
+                <a:ea typeface="굴림" panose="020B0600000101010101" pitchFamily="50" charset="-127"/>
+              </a:rPr>
+              <a:t> 대한 한계도 설명한다</a:t>
+            </a:r>
+            <a:r>
+              <a:rPr lang="en-US" altLang="ko-KR" sz="1400" dirty="0">
+                <a:latin typeface="굴림" panose="020B0600000101010101" pitchFamily="50" charset="-127"/>
+                <a:ea typeface="굴림" panose="020B0600000101010101" pitchFamily="50" charset="-127"/>
+              </a:rPr>
+              <a:t>. </a:t>
+            </a:r>
+            <a:r>
+              <a:rPr lang="ko-KR" altLang="en-US" sz="1400" dirty="0">
+                <a:latin typeface="굴림" panose="020B0600000101010101" pitchFamily="50" charset="-127"/>
+                <a:ea typeface="굴림" panose="020B0600000101010101" pitchFamily="50" charset="-127"/>
+              </a:rPr>
+              <a:t>마지막으로</a:t>
+            </a:r>
+          </a:p>
+          <a:p>
+            <a:r>
+              <a:rPr lang="ko-KR" altLang="en-US" sz="1400" dirty="0">
+                <a:latin typeface="굴림" panose="020B0600000101010101" pitchFamily="50" charset="-127"/>
+                <a:ea typeface="굴림" panose="020B0600000101010101" pitchFamily="50" charset="-127"/>
+              </a:rPr>
+              <a:t>이러한 한계를 개선하기 위한 노력을 살펴본다</a:t>
+            </a:r>
+            <a:r>
+              <a:rPr lang="en-US" altLang="ko-KR" sz="1400" dirty="0">
+                <a:latin typeface="굴림" panose="020B0600000101010101" pitchFamily="50" charset="-127"/>
+                <a:ea typeface="굴림" panose="020B0600000101010101" pitchFamily="50" charset="-127"/>
+              </a:rPr>
+              <a:t>.</a:t>
+            </a:r>
+            <a:endParaRPr lang="ko-KR" altLang="en-US" sz="1400" dirty="0">
+              <a:latin typeface="굴림" panose="020B0600000101010101" pitchFamily="50" charset="-127"/>
+              <a:ea typeface="굴림" panose="020B0600000101010101" pitchFamily="50" charset="-127"/>
+            </a:endParaRPr>
+          </a:p>
+        </p:txBody>
+      </p:sp>
+      <p:sp>
+        <p:nvSpPr>
+          <p:cNvPr id="3" name="직사각형 2"/>
+          <p:cNvSpPr/>
+          <p:nvPr/>
+        </p:nvSpPr>
+        <p:spPr>
+          <a:xfrm>
+            <a:off x="467544" y="426436"/>
+            <a:ext cx="8136904" cy="2123658"/>
+          </a:xfrm>
+          <a:prstGeom prst="rect">
+            <a:avLst/>
+          </a:prstGeom>
+        </p:spPr>
+        <p:txBody>
+          <a:bodyPr wrap="square">
+            <a:spAutoFit/>
+          </a:bodyPr>
+          <a:lstStyle/>
+          <a:p>
+            <a:r>
+              <a:rPr lang="ko-KR" altLang="en-US" sz="1600" dirty="0"/>
+              <a:t>협업 </a:t>
+            </a:r>
+            <a:r>
+              <a:rPr lang="ko-KR" altLang="en-US" sz="1600" dirty="0" err="1"/>
+              <a:t>필터링이란</a:t>
+            </a:r>
+            <a:r>
+              <a:rPr lang="ko-KR" altLang="en-US" sz="1600" dirty="0"/>
+              <a:t> 대규모의 기존 사용자 행동 정보를 분석하여 해당 사용자와 비슷한 </a:t>
+            </a:r>
+            <a:r>
+              <a:rPr lang="ko-KR" altLang="en-US" sz="1600" dirty="0" smtClean="0"/>
+              <a:t>성향의 사용자들이 </a:t>
+            </a:r>
+            <a:r>
+              <a:rPr lang="ko-KR" altLang="en-US" sz="1600" dirty="0"/>
+              <a:t>기존에 좋아했던 항목을 추천하는 기술이다</a:t>
+            </a:r>
+            <a:r>
+              <a:rPr lang="en-US" altLang="ko-KR" sz="1600" dirty="0" smtClean="0"/>
+              <a:t>.</a:t>
+            </a:r>
+          </a:p>
+          <a:p>
+            <a:endParaRPr lang="en-US" altLang="ko-KR" sz="1600" dirty="0" smtClean="0"/>
+          </a:p>
+          <a:p>
+            <a:r>
+              <a:rPr lang="ko-KR" altLang="en-US" sz="1400" dirty="0" smtClean="0"/>
+              <a:t> </a:t>
+            </a:r>
+            <a:r>
+              <a:rPr lang="en-US" altLang="ko-KR" sz="1400" dirty="0" smtClean="0"/>
+              <a:t>: </a:t>
+            </a:r>
+            <a:r>
+              <a:rPr lang="ko-KR" altLang="en-US" sz="1400" dirty="0" smtClean="0"/>
+              <a:t>이 </a:t>
+            </a:r>
+            <a:r>
+              <a:rPr lang="ko-KR" altLang="en-US" sz="1400" dirty="0"/>
+              <a:t>알고리즘은 결과가 직관적이며 항목의 구체적인 내용을 분석할 필요가 없다는 장점이 </a:t>
+            </a:r>
+            <a:r>
+              <a:rPr lang="ko-KR" altLang="en-US" sz="1400" dirty="0" err="1"/>
+              <a:t>있</a:t>
+            </a:r>
+            <a:endParaRPr lang="ko-KR" altLang="en-US" sz="1400" dirty="0"/>
+          </a:p>
+          <a:p>
+            <a:r>
+              <a:rPr lang="ko-KR" altLang="en-US" sz="1400" dirty="0"/>
+              <a:t>다</a:t>
+            </a:r>
+            <a:r>
+              <a:rPr lang="en-US" altLang="ko-KR" sz="1400" dirty="0"/>
+              <a:t>. </a:t>
+            </a:r>
+            <a:r>
+              <a:rPr lang="ko-KR" altLang="en-US" sz="1400" dirty="0"/>
+              <a:t>이 경우는 라면과 생수가 식품인지 아닌지</a:t>
+            </a:r>
+            <a:r>
+              <a:rPr lang="en-US" altLang="ko-KR" sz="1400" dirty="0"/>
+              <a:t>, </a:t>
+            </a:r>
+            <a:r>
+              <a:rPr lang="ko-KR" altLang="en-US" sz="1400" dirty="0"/>
+              <a:t>서로 같이 사용되어야 하는 관계인지 분석할 필요</a:t>
+            </a:r>
+          </a:p>
+          <a:p>
+            <a:r>
+              <a:rPr lang="ko-KR" altLang="en-US" sz="1400" dirty="0"/>
+              <a:t>가 없다</a:t>
+            </a:r>
+            <a:r>
+              <a:rPr lang="en-US" altLang="ko-KR" sz="1400" dirty="0"/>
+              <a:t>. </a:t>
+            </a:r>
+            <a:r>
+              <a:rPr lang="ko-KR" altLang="en-US" sz="1400" dirty="0"/>
+              <a:t>다만 사용자가 두 제품을 같이 구매했다는 기록을 바탕으로 새로운 사용자에게 추천한</a:t>
+            </a:r>
+          </a:p>
+          <a:p>
+            <a:r>
+              <a:rPr lang="ko-KR" altLang="en-US" sz="1400" dirty="0"/>
+              <a:t>다</a:t>
+            </a:r>
+            <a:r>
+              <a:rPr lang="en-US" altLang="ko-KR" sz="1400" dirty="0"/>
+              <a:t>. </a:t>
+            </a:r>
+            <a:r>
+              <a:rPr lang="ko-KR" altLang="en-US" sz="1400" dirty="0"/>
+              <a:t>이러한 전략을 사용하는 경우</a:t>
+            </a:r>
+            <a:r>
+              <a:rPr lang="en-US" altLang="ko-KR" sz="1400" dirty="0"/>
+              <a:t>, </a:t>
+            </a:r>
+            <a:r>
+              <a:rPr lang="ko-KR" altLang="en-US" sz="1400" dirty="0"/>
+              <a:t>비슷한 패턴을 가진 사용자나 항목을 추출하는 기술이 핵심적</a:t>
+            </a:r>
+          </a:p>
+          <a:p>
+            <a:r>
+              <a:rPr lang="ko-KR" altLang="en-US" sz="1400" dirty="0"/>
+              <a:t>이며 행렬분해</a:t>
+            </a:r>
+            <a:r>
+              <a:rPr lang="en-US" altLang="ko-KR" sz="1400" dirty="0"/>
+              <a:t>(Matrix Factorization), k-</a:t>
+            </a:r>
+            <a:r>
+              <a:rPr lang="ko-KR" altLang="en-US" sz="1400" dirty="0" err="1"/>
+              <a:t>최근접</a:t>
+            </a:r>
+            <a:r>
+              <a:rPr lang="ko-KR" altLang="en-US" sz="1400" dirty="0"/>
+              <a:t> 이웃 알고리즘 </a:t>
+            </a:r>
+            <a:r>
+              <a:rPr lang="en-US" altLang="ko-KR" sz="1400" dirty="0"/>
+              <a:t>(k-Nearest Neighbor algorithm;</a:t>
+            </a:r>
+          </a:p>
+          <a:p>
+            <a:r>
+              <a:rPr lang="en-US" altLang="ko-KR" sz="1400" dirty="0" err="1"/>
+              <a:t>kNN</a:t>
+            </a:r>
+            <a:r>
+              <a:rPr lang="en-US" altLang="ko-KR" sz="1400" dirty="0"/>
+              <a:t>) </a:t>
+            </a:r>
+            <a:r>
+              <a:rPr lang="ko-KR" altLang="en-US" sz="1400" dirty="0"/>
+              <a:t>등의 방법이 많이 사용된다</a:t>
+            </a:r>
+          </a:p>
+        </p:txBody>
+      </p:sp>
+      <p:sp>
+        <p:nvSpPr>
+          <p:cNvPr id="4" name="TextBox 3"/>
+          <p:cNvSpPr txBox="1"/>
+          <p:nvPr/>
+        </p:nvSpPr>
+        <p:spPr>
+          <a:xfrm>
+            <a:off x="6928989" y="3861048"/>
+            <a:ext cx="1675459" cy="900246"/>
+          </a:xfrm>
+          <a:prstGeom prst="rect">
+            <a:avLst/>
+          </a:prstGeom>
+          <a:noFill/>
+        </p:spPr>
+        <p:txBody>
+          <a:bodyPr wrap="none" rtlCol="0">
+            <a:spAutoFit/>
+          </a:bodyPr>
+          <a:lstStyle/>
+          <a:p>
+            <a:r>
+              <a:rPr lang="ko-KR" altLang="en-US" sz="1050" dirty="0" smtClean="0"/>
+              <a:t>영화 관련 가능한 서비스</a:t>
+            </a:r>
+            <a:endParaRPr lang="en-US" altLang="ko-KR" sz="1050" dirty="0" smtClean="0"/>
+          </a:p>
+          <a:p>
+            <a:pPr marL="228600" indent="-228600">
+              <a:buAutoNum type="arabicPeriod"/>
+            </a:pPr>
+            <a:r>
+              <a:rPr lang="ko-KR" altLang="en-US" sz="1050" dirty="0" smtClean="0"/>
+              <a:t>영화 추천</a:t>
+            </a:r>
+            <a:endParaRPr lang="en-US" altLang="ko-KR" sz="1050" dirty="0" smtClean="0"/>
+          </a:p>
+          <a:p>
+            <a:pPr marL="228600" indent="-228600">
+              <a:buAutoNum type="arabicPeriod"/>
+            </a:pPr>
+            <a:r>
+              <a:rPr lang="ko-KR" altLang="en-US" sz="1050" dirty="0" smtClean="0"/>
+              <a:t>영화 선호도 분석</a:t>
+            </a:r>
+            <a:endParaRPr lang="en-US" altLang="ko-KR" sz="1050" dirty="0" smtClean="0"/>
+          </a:p>
+          <a:p>
+            <a:r>
+              <a:rPr lang="en-US" altLang="ko-KR" sz="1050" dirty="0" smtClean="0"/>
+              <a:t>3. </a:t>
+            </a:r>
+            <a:endParaRPr lang="en-US" altLang="ko-KR" sz="1050" dirty="0"/>
+          </a:p>
+          <a:p>
+            <a:endParaRPr lang="ko-KR" altLang="en-US" sz="1050" dirty="0" smtClean="0"/>
+          </a:p>
+        </p:txBody>
+      </p:sp>
+    </p:spTree>
+    <p:extLst>
+      <p:ext uri="{BB962C8B-B14F-4D97-AF65-F5344CB8AC3E}">
+        <p14:creationId xmlns:p14="http://schemas.microsoft.com/office/powerpoint/2010/main" val="3143121094"/>
       </p:ext>
     </p:extLst>
   </p:cSld>
